--- a/Презентация.pptx
+++ b/Презентация.pptx
@@ -3521,7 +3521,7 @@
                 <a16:creationId xmlns:a16="http://schemas.microsoft.com/office/drawing/2014/main" id="{5CD60141-EEBD-4EC1-8E34-0344C16A18A2}"/>
               </a:ext>
               <a:ext uri="{C183D7F6-B498-43B3-948B-1728B52AA6E4}">
-                <adec:decorative xmlns="" xmlns:adec="http://schemas.microsoft.com/office/drawing/2017/decorative" val="1"/>
+                <adec:decorative xmlns:adec="http://schemas.microsoft.com/office/drawing/2017/decorative" xmlns="" val="1"/>
               </a:ext>
             </a:extLst>
           </p:cNvPr>
@@ -7218,7 +7218,7 @@
                 <a16:creationId xmlns:a16="http://schemas.microsoft.com/office/drawing/2014/main" id="{C3B0A228-9EA3-4009-A82E-9402BBC726A0}"/>
               </a:ext>
               <a:ext uri="{C183D7F6-B498-43B3-948B-1728B52AA6E4}">
-                <adec:decorative xmlns="" xmlns:adec="http://schemas.microsoft.com/office/drawing/2017/decorative" val="1"/>
+                <adec:decorative xmlns:adec="http://schemas.microsoft.com/office/drawing/2017/decorative" xmlns="" val="1"/>
               </a:ext>
             </a:extLst>
           </p:cNvPr>
@@ -7294,7 +7294,7 @@
                 <a16:creationId xmlns:a16="http://schemas.microsoft.com/office/drawing/2014/main" id="{40D5ECB1-AC85-4830-AF8E-3E8C2A1ACEE9}"/>
               </a:ext>
               <a:ext uri="{C183D7F6-B498-43B3-948B-1728B52AA6E4}">
-                <adec:decorative xmlns="" xmlns:adec="http://schemas.microsoft.com/office/drawing/2017/decorative" val="1"/>
+                <adec:decorative xmlns:adec="http://schemas.microsoft.com/office/drawing/2017/decorative" xmlns="" val="1"/>
               </a:ext>
             </a:extLst>
           </p:cNvPr>
@@ -7608,7 +7608,7 @@
                 <a16:creationId xmlns:a16="http://schemas.microsoft.com/office/drawing/2014/main" id="{FD1C9DFA-A617-4257-95D3-CE862A146CBD}"/>
               </a:ext>
               <a:ext uri="{C183D7F6-B498-43B3-948B-1728B52AA6E4}">
-                <adec:decorative xmlns="" xmlns:adec="http://schemas.microsoft.com/office/drawing/2017/decorative" val="1"/>
+                <adec:decorative xmlns:adec="http://schemas.microsoft.com/office/drawing/2017/decorative" xmlns="" val="1"/>
               </a:ext>
             </a:extLst>
           </p:cNvPr>
@@ -7959,7 +7959,7 @@
                 <a16:creationId xmlns:a16="http://schemas.microsoft.com/office/drawing/2014/main" id="{685B57F6-59DE-4274-A37C-F47FE4E42EEF}"/>
               </a:ext>
               <a:ext uri="{C183D7F6-B498-43B3-948B-1728B52AA6E4}">
-                <adec:decorative xmlns="" xmlns:adec="http://schemas.microsoft.com/office/drawing/2017/decorative" val="1"/>
+                <adec:decorative xmlns:adec="http://schemas.microsoft.com/office/drawing/2017/decorative" xmlns="" val="1"/>
               </a:ext>
             </a:extLst>
           </p:cNvPr>
@@ -8149,7 +8149,7 @@
         </p:spPr>
         <p:txBody>
           <a:bodyPr vert="horz" lIns="91440" tIns="45720" rIns="91440" bIns="45720" rtlCol="0">
-            <a:normAutofit/>
+            <a:normAutofit fontScale="85000" lnSpcReduction="10000"/>
           </a:bodyPr>
           <a:lstStyle/>
           <a:p>
@@ -8160,7 +8160,15 @@
             </a:pPr>
             <a:r>
               <a:rPr lang="ru-RU" sz="1700" dirty="0"/>
-              <a:t>Руководитель проекта: Малюгин Марат, Кузнецов Павел</a:t>
+              <a:t>Руководитель проекта: </a:t>
+            </a:r>
+            <a:r>
+              <a:rPr lang="ru-RU" sz="1700" dirty="0" smtClean="0"/>
+              <a:t>Кузнецов </a:t>
+            </a:r>
+            <a:r>
+              <a:rPr lang="ru-RU" sz="1700" dirty="0"/>
+              <a:t>Павел</a:t>
             </a:r>
           </a:p>
           <a:p>
@@ -8179,8 +8187,13 @@
             </a:r>
             <a:r>
               <a:rPr lang="ru-RU" sz="1700" dirty="0" smtClean="0"/>
-              <a:t>Марат</a:t>
-            </a:r>
+              <a:t>Марат, Амирханов </a:t>
+            </a:r>
+            <a:r>
+              <a:rPr lang="ru-RU" sz="1700" dirty="0" err="1" smtClean="0"/>
+              <a:t>Мухтар</a:t>
+            </a:r>
+            <a:endParaRPr lang="ru-RU" sz="1700" dirty="0" smtClean="0"/>
           </a:p>
           <a:p>
             <a:pPr>
@@ -8216,18 +8229,11 @@
               <a:t>: </a:t>
             </a:r>
             <a:r>
-              <a:rPr lang="ru-RU" sz="1700" dirty="0">
-                <a:ea typeface="+mn-lt"/>
-                <a:cs typeface="+mn-lt"/>
-              </a:rPr>
-              <a:t>Малюгин </a:t>
-            </a:r>
-            <a:r>
               <a:rPr lang="ru-RU" sz="1700" dirty="0" smtClean="0">
                 <a:ea typeface="+mn-lt"/>
                 <a:cs typeface="+mn-lt"/>
               </a:rPr>
-              <a:t>Марат, Тимур </a:t>
+              <a:t>Малюгин Марат, Тимур </a:t>
             </a:r>
             <a:r>
               <a:rPr lang="ru-RU" sz="1700" dirty="0" err="1" smtClean="0">
@@ -8259,7 +8265,57 @@
                 <a:ea typeface="+mn-lt"/>
                 <a:cs typeface="+mn-lt"/>
               </a:rPr>
-              <a:t>за документацию: Кузнецов </a:t>
+              <a:t>за документацию</a:t>
+            </a:r>
+            <a:r>
+              <a:rPr lang="ru-RU" sz="1700" dirty="0" smtClean="0">
+                <a:ea typeface="+mn-lt"/>
+                <a:cs typeface="+mn-lt"/>
+              </a:rPr>
+              <a:t>:</a:t>
+            </a:r>
+          </a:p>
+          <a:p>
+            <a:pPr marL="0" indent="0">
+              <a:lnSpc>
+                <a:spcPct val="110000"/>
+              </a:lnSpc>
+              <a:buNone/>
+            </a:pPr>
+            <a:r>
+              <a:rPr lang="ru-RU" sz="1700" dirty="0" smtClean="0">
+                <a:ea typeface="+mn-lt"/>
+                <a:cs typeface="+mn-lt"/>
+              </a:rPr>
+              <a:t>	</a:t>
+            </a:r>
+            <a:r>
+              <a:rPr lang="ru-RU" sz="1700" dirty="0" err="1" smtClean="0">
+                <a:ea typeface="+mn-lt"/>
+                <a:cs typeface="+mn-lt"/>
+              </a:rPr>
+              <a:t>Гант</a:t>
+            </a:r>
+            <a:r>
+              <a:rPr lang="ru-RU" sz="1700" dirty="0" smtClean="0">
+                <a:ea typeface="+mn-lt"/>
+                <a:cs typeface="+mn-lt"/>
+              </a:rPr>
+              <a:t>:</a:t>
+            </a:r>
+            <a:r>
+              <a:rPr lang="ru-RU" sz="1700" dirty="0" smtClean="0">
+                <a:ea typeface="+mn-lt"/>
+                <a:cs typeface="+mn-lt"/>
+              </a:rPr>
+              <a:t> </a:t>
+            </a:r>
+            <a:r>
+              <a:rPr lang="ru-RU" sz="1700" dirty="0">
+                <a:ea typeface="+mn-lt"/>
+                <a:cs typeface="+mn-lt"/>
+              </a:rPr>
+              <a:t>Кузнецов </a:t>
             </a:r>
             <a:r>
               <a:rPr lang="ru-RU" sz="1700" dirty="0" smtClean="0">
@@ -8268,19 +8324,31 @@
               </a:rPr>
               <a:t>Павел</a:t>
             </a:r>
-            <a:r>
-              <a:rPr lang="en-US" sz="1700" dirty="0" smtClean="0">
-                <a:ea typeface="+mn-lt"/>
-                <a:cs typeface="+mn-lt"/>
-              </a:rPr>
-              <a:t>, </a:t>
-            </a:r>
+            <a:endParaRPr lang="ru-RU" sz="1700" dirty="0">
+              <a:ea typeface="+mn-lt"/>
+              <a:cs typeface="+mn-lt"/>
+            </a:endParaRPr>
+          </a:p>
+          <a:p>
+            <a:pPr marL="0" indent="0">
+              <a:lnSpc>
+                <a:spcPct val="110000"/>
+              </a:lnSpc>
+              <a:buNone/>
+            </a:pPr>
             <a:r>
               <a:rPr lang="ru-RU" sz="1700" dirty="0" smtClean="0">
                 <a:ea typeface="+mn-lt"/>
                 <a:cs typeface="+mn-lt"/>
               </a:rPr>
-              <a:t>Тимур </a:t>
+              <a:t>	</a:t>
+            </a:r>
+            <a:r>
+              <a:rPr lang="ru-RU" sz="1700" dirty="0" smtClean="0">
+                <a:ea typeface="+mn-lt"/>
+                <a:cs typeface="+mn-lt"/>
+              </a:rPr>
+              <a:t>Документация: Тимур </a:t>
             </a:r>
             <a:r>
               <a:rPr lang="ru-RU" sz="1700" dirty="0" err="1" smtClean="0">
@@ -8294,7 +8362,29 @@
                 <a:ea typeface="+mn-lt"/>
                 <a:cs typeface="+mn-lt"/>
               </a:rPr>
-              <a:t>, </a:t>
+              <a:t> </a:t>
+            </a:r>
+          </a:p>
+          <a:p>
+            <a:pPr marL="0" indent="0">
+              <a:lnSpc>
+                <a:spcPct val="110000"/>
+              </a:lnSpc>
+              <a:buNone/>
+            </a:pPr>
+            <a:r>
+              <a:rPr lang="ru-RU" sz="1700" dirty="0">
+                <a:ea typeface="+mn-lt"/>
+                <a:cs typeface="+mn-lt"/>
+              </a:rPr>
+              <a:t>	</a:t>
+            </a:r>
+            <a:r>
+              <a:rPr lang="ru-RU" sz="1700" smtClean="0">
+                <a:ea typeface="+mn-lt"/>
+                <a:cs typeface="+mn-lt"/>
+              </a:rPr>
+              <a:t>Презентация и текст рассказа: </a:t>
             </a:r>
             <a:r>
               <a:rPr lang="ru-RU" sz="1700" dirty="0" err="1" smtClean="0">
@@ -8308,7 +8398,14 @@
                 <a:ea typeface="+mn-lt"/>
                 <a:cs typeface="+mn-lt"/>
               </a:rPr>
-              <a:t> Амирханов</a:t>
+              <a:t> </a:t>
+            </a:r>
+            <a:r>
+              <a:rPr lang="ru-RU" sz="1700" dirty="0" smtClean="0">
+                <a:ea typeface="+mn-lt"/>
+                <a:cs typeface="+mn-lt"/>
+              </a:rPr>
+              <a:t>Амирханов</a:t>
             </a:r>
             <a:endParaRPr lang="ru-RU" sz="1700" dirty="0">
               <a:ea typeface="+mn-lt"/>
@@ -8375,7 +8472,7 @@
                 <a16:creationId xmlns:a16="http://schemas.microsoft.com/office/drawing/2014/main" id="{2AD042BA-B482-486E-9E0C-75374069BBBD}"/>
               </a:ext>
               <a:ext uri="{C183D7F6-B498-43B3-948B-1728B52AA6E4}">
-                <adec:decorative xmlns="" xmlns:adec="http://schemas.microsoft.com/office/drawing/2017/decorative" val="1"/>
+                <adec:decorative xmlns:adec="http://schemas.microsoft.com/office/drawing/2017/decorative" xmlns="" val="1"/>
               </a:ext>
             </a:extLst>
           </p:cNvPr>
@@ -8465,7 +8562,7 @@
                 <a16:creationId xmlns:a16="http://schemas.microsoft.com/office/drawing/2014/main" id="{20CC10FC-6518-423B-A972-3E4F7A4A82F0}"/>
               </a:ext>
               <a:ext uri="{C183D7F6-B498-43B3-948B-1728B52AA6E4}">
-                <adec:decorative xmlns="" xmlns:adec="http://schemas.microsoft.com/office/drawing/2017/decorative" val="1"/>
+                <adec:decorative xmlns:adec="http://schemas.microsoft.com/office/drawing/2017/decorative" xmlns="" val="1"/>
               </a:ext>
             </a:extLst>
           </p:cNvPr>
@@ -8541,7 +8638,7 @@
                 <a16:creationId xmlns:a16="http://schemas.microsoft.com/office/drawing/2014/main" id="{95D2D844-708E-4EAC-BF72-D7CE20B99B31}"/>
               </a:ext>
               <a:ext uri="{C183D7F6-B498-43B3-948B-1728B52AA6E4}">
-                <adec:decorative xmlns="" xmlns:adec="http://schemas.microsoft.com/office/drawing/2017/decorative" val="1"/>
+                <adec:decorative xmlns:adec="http://schemas.microsoft.com/office/drawing/2017/decorative" xmlns="" val="1"/>
               </a:ext>
             </a:extLst>
           </p:cNvPr>
@@ -9002,7 +9099,7 @@
                 <a16:creationId xmlns:a16="http://schemas.microsoft.com/office/drawing/2014/main" id="{BFB227E1-F100-4CF9-9797-1E2001BBE2AD}"/>
               </a:ext>
               <a:ext uri="{C183D7F6-B498-43B3-948B-1728B52AA6E4}">
-                <adec:decorative xmlns="" xmlns:adec="http://schemas.microsoft.com/office/drawing/2017/decorative" val="1"/>
+                <adec:decorative xmlns:adec="http://schemas.microsoft.com/office/drawing/2017/decorative" xmlns="" val="1"/>
               </a:ext>
             </a:extLst>
           </p:cNvPr>
@@ -9341,7 +9438,7 @@
                 <a16:creationId xmlns:a16="http://schemas.microsoft.com/office/drawing/2014/main" id="{A06758A3-C4A6-479A-8755-3BEC63142944}"/>
               </a:ext>
               <a:ext uri="{C183D7F6-B498-43B3-948B-1728B52AA6E4}">
-                <adec:decorative xmlns="" xmlns:adec="http://schemas.microsoft.com/office/drawing/2017/decorative" val="1"/>
+                <adec:decorative xmlns:adec="http://schemas.microsoft.com/office/drawing/2017/decorative" xmlns="" val="1"/>
               </a:ext>
             </a:extLst>
           </p:cNvPr>
@@ -9431,7 +9528,7 @@
                 <a16:creationId xmlns:a16="http://schemas.microsoft.com/office/drawing/2014/main" id="{685B57F6-59DE-4274-A37C-F47FE4E42EEF}"/>
               </a:ext>
               <a:ext uri="{C183D7F6-B498-43B3-948B-1728B52AA6E4}">
-                <adec:decorative xmlns="" xmlns:adec="http://schemas.microsoft.com/office/drawing/2017/decorative" val="1"/>
+                <adec:decorative xmlns:adec="http://schemas.microsoft.com/office/drawing/2017/decorative" xmlns="" val="1"/>
               </a:ext>
             </a:extLst>
           </p:cNvPr>
@@ -9573,7 +9670,7 @@
                 <a16:creationId xmlns:a16="http://schemas.microsoft.com/office/drawing/2014/main" id="{C8C63406-9171-4282-BAAB-2DDC6831F0E6}"/>
               </a:ext>
               <a:ext uri="{C183D7F6-B498-43B3-948B-1728B52AA6E4}">
-                <adec:decorative xmlns="" xmlns:adec="http://schemas.microsoft.com/office/drawing/2017/decorative" val="1"/>
+                <adec:decorative xmlns:adec="http://schemas.microsoft.com/office/drawing/2017/decorative" xmlns="" val="1"/>
               </a:ext>
             </a:extLst>
           </p:cNvPr>
@@ -9789,7 +9886,7 @@
                 <a16:creationId xmlns:a16="http://schemas.microsoft.com/office/drawing/2014/main" id="{5CD60141-EEBD-4EC1-8E34-0344C16A18A2}"/>
               </a:ext>
               <a:ext uri="{C183D7F6-B498-43B3-948B-1728B52AA6E4}">
-                <adec:decorative xmlns="" xmlns:adec="http://schemas.microsoft.com/office/drawing/2017/decorative" val="1"/>
+                <adec:decorative xmlns:adec="http://schemas.microsoft.com/office/drawing/2017/decorative" xmlns="" val="1"/>
               </a:ext>
             </a:extLst>
           </p:cNvPr>
@@ -9889,7 +9986,7 @@
                 <a16:creationId xmlns:a16="http://schemas.microsoft.com/office/drawing/2014/main" id="{4C75A547-BCD1-42BE-966E-53CA0AB93165}"/>
               </a:ext>
               <a:ext uri="{C183D7F6-B498-43B3-948B-1728B52AA6E4}">
-                <adec:decorative xmlns="" xmlns:adec="http://schemas.microsoft.com/office/drawing/2017/decorative" val="1"/>
+                <adec:decorative xmlns:adec="http://schemas.microsoft.com/office/drawing/2017/decorative" xmlns="" val="1"/>
               </a:ext>
             </a:extLst>
           </p:cNvPr>
@@ -9941,7 +10038,7 @@
                 <a16:creationId xmlns:a16="http://schemas.microsoft.com/office/drawing/2014/main" id="{00C04237-153A-4A4F-A7E9-6926B66F849B}"/>
               </a:ext>
               <a:ext uri="{C183D7F6-B498-43B3-948B-1728B52AA6E4}">
-                <adec:decorative xmlns="" xmlns:adec="http://schemas.microsoft.com/office/drawing/2017/decorative" val="1"/>
+                <adec:decorative xmlns:adec="http://schemas.microsoft.com/office/drawing/2017/decorative" xmlns="" val="1"/>
               </a:ext>
             </a:extLst>
           </p:cNvPr>
@@ -10046,7 +10143,7 @@
                 <a16:creationId xmlns:a16="http://schemas.microsoft.com/office/drawing/2014/main" id="{D19975AA-D532-4570-9193-6482D3F22331}"/>
               </a:ext>
               <a:ext uri="{C183D7F6-B498-43B3-948B-1728B52AA6E4}">
-                <adec:decorative xmlns="" xmlns:adec="http://schemas.microsoft.com/office/drawing/2017/decorative" val="1"/>
+                <adec:decorative xmlns:adec="http://schemas.microsoft.com/office/drawing/2017/decorative" xmlns="" val="1"/>
               </a:ext>
             </a:extLst>
           </p:cNvPr>
@@ -10228,7 +10325,7 @@
                 <a16:creationId xmlns:a16="http://schemas.microsoft.com/office/drawing/2014/main" id="{D7CA8974-7BA7-4828-89E2-6DAD7353BC05}"/>
               </a:ext>
               <a:ext uri="{C183D7F6-B498-43B3-948B-1728B52AA6E4}">
-                <adec:decorative xmlns="" xmlns:adec="http://schemas.microsoft.com/office/drawing/2017/decorative" val="1"/>
+                <adec:decorative xmlns:adec="http://schemas.microsoft.com/office/drawing/2017/decorative" xmlns="" val="1"/>
               </a:ext>
             </a:extLst>
           </p:cNvPr>
@@ -10896,7 +10993,7 @@
           <a:blip r:embed="rId4">
             <a:extLst>
               <a:ext uri="{96DAC541-7B7A-43D3-8B79-37D633B846F1}">
-                <asvg:svgBlip xmlns="" xmlns:asvg="http://schemas.microsoft.com/office/drawing/2016/SVG/main" r:embed="rId5"/>
+                <asvg:svgBlip xmlns:asvg="http://schemas.microsoft.com/office/drawing/2016/SVG/main" xmlns="" r:embed="rId5"/>
               </a:ext>
             </a:extLst>
           </a:blip>
@@ -11015,7 +11112,7 @@
                 <a16:creationId xmlns:a16="http://schemas.microsoft.com/office/drawing/2014/main" id="{3BEA1A24-9CA1-4513-A409-3AD90DB091F2}"/>
               </a:ext>
               <a:ext uri="{C183D7F6-B498-43B3-948B-1728B52AA6E4}">
-                <adec:decorative xmlns="" xmlns:adec="http://schemas.microsoft.com/office/drawing/2017/decorative" val="1"/>
+                <adec:decorative xmlns:adec="http://schemas.microsoft.com/office/drawing/2017/decorative" xmlns="" val="1"/>
               </a:ext>
             </a:extLst>
           </p:cNvPr>
@@ -11091,7 +11188,7 @@
                 <a16:creationId xmlns:a16="http://schemas.microsoft.com/office/drawing/2014/main" id="{D614C296-26CB-43B0-9404-D05FF687A65C}"/>
               </a:ext>
               <a:ext uri="{C183D7F6-B498-43B3-948B-1728B52AA6E4}">
-                <adec:decorative xmlns="" xmlns:adec="http://schemas.microsoft.com/office/drawing/2017/decorative" val="1"/>
+                <adec:decorative xmlns:adec="http://schemas.microsoft.com/office/drawing/2017/decorative" xmlns="" val="1"/>
               </a:ext>
             </a:extLst>
           </p:cNvPr>
@@ -11236,7 +11333,7 @@
                 <a16:creationId xmlns:a16="http://schemas.microsoft.com/office/drawing/2014/main" id="{76F4C24C-DC25-49C1-9509-3F5694D0DA61}"/>
               </a:ext>
               <a:ext uri="{C183D7F6-B498-43B3-948B-1728B52AA6E4}">
-                <adec:decorative xmlns="" xmlns:adec="http://schemas.microsoft.com/office/drawing/2017/decorative" val="1"/>
+                <adec:decorative xmlns:adec="http://schemas.microsoft.com/office/drawing/2017/decorative" xmlns="" val="1"/>
               </a:ext>
             </a:extLst>
           </p:cNvPr>
@@ -11479,7 +11576,7 @@
                 <a16:creationId xmlns:a16="http://schemas.microsoft.com/office/drawing/2014/main" id="{3C0930BD-361E-4C4D-8B08-ED210DFA2D0A}"/>
               </a:ext>
               <a:ext uri="{C183D7F6-B498-43B3-948B-1728B52AA6E4}">
-                <adec:decorative xmlns="" xmlns:adec="http://schemas.microsoft.com/office/drawing/2017/decorative" val="1"/>
+                <adec:decorative xmlns:adec="http://schemas.microsoft.com/office/drawing/2017/decorative" xmlns="" val="1"/>
               </a:ext>
             </a:extLst>
           </p:cNvPr>
@@ -11569,7 +11666,7 @@
                 <a16:creationId xmlns:a16="http://schemas.microsoft.com/office/drawing/2014/main" id="{685B57F6-59DE-4274-A37C-F47FE4E42EEF}"/>
               </a:ext>
               <a:ext uri="{C183D7F6-B498-43B3-948B-1728B52AA6E4}">
-                <adec:decorative xmlns="" xmlns:adec="http://schemas.microsoft.com/office/drawing/2017/decorative" val="1"/>
+                <adec:decorative xmlns:adec="http://schemas.microsoft.com/office/drawing/2017/decorative" xmlns="" val="1"/>
               </a:ext>
             </a:extLst>
           </p:cNvPr>
@@ -11816,7 +11913,7 @@
                 <a16:creationId xmlns:a16="http://schemas.microsoft.com/office/drawing/2014/main" id="{2AD042BA-B482-486E-9E0C-75374069BBBD}"/>
               </a:ext>
               <a:ext uri="{C183D7F6-B498-43B3-948B-1728B52AA6E4}">
-                <adec:decorative xmlns="" xmlns:adec="http://schemas.microsoft.com/office/drawing/2017/decorative" val="1"/>
+                <adec:decorative xmlns:adec="http://schemas.microsoft.com/office/drawing/2017/decorative" xmlns="" val="1"/>
               </a:ext>
             </a:extLst>
           </p:cNvPr>

--- a/Презентация.pptx
+++ b/Презентация.pptx
@@ -3521,7 +3521,7 @@
                 <a16:creationId xmlns:a16="http://schemas.microsoft.com/office/drawing/2014/main" id="{5CD60141-EEBD-4EC1-8E34-0344C16A18A2}"/>
               </a:ext>
               <a:ext uri="{C183D7F6-B498-43B3-948B-1728B52AA6E4}">
-                <adec:decorative xmlns:adec="http://schemas.microsoft.com/office/drawing/2017/decorative" xmlns="" val="1"/>
+                <adec:decorative xmlns="" xmlns:adec="http://schemas.microsoft.com/office/drawing/2017/decorative" val="1"/>
               </a:ext>
             </a:extLst>
           </p:cNvPr>
@@ -7218,7 +7218,7 @@
                 <a16:creationId xmlns:a16="http://schemas.microsoft.com/office/drawing/2014/main" id="{C3B0A228-9EA3-4009-A82E-9402BBC726A0}"/>
               </a:ext>
               <a:ext uri="{C183D7F6-B498-43B3-948B-1728B52AA6E4}">
-                <adec:decorative xmlns:adec="http://schemas.microsoft.com/office/drawing/2017/decorative" xmlns="" val="1"/>
+                <adec:decorative xmlns="" xmlns:adec="http://schemas.microsoft.com/office/drawing/2017/decorative" val="1"/>
               </a:ext>
             </a:extLst>
           </p:cNvPr>
@@ -7294,7 +7294,7 @@
                 <a16:creationId xmlns:a16="http://schemas.microsoft.com/office/drawing/2014/main" id="{40D5ECB1-AC85-4830-AF8E-3E8C2A1ACEE9}"/>
               </a:ext>
               <a:ext uri="{C183D7F6-B498-43B3-948B-1728B52AA6E4}">
-                <adec:decorative xmlns:adec="http://schemas.microsoft.com/office/drawing/2017/decorative" xmlns="" val="1"/>
+                <adec:decorative xmlns="" xmlns:adec="http://schemas.microsoft.com/office/drawing/2017/decorative" val="1"/>
               </a:ext>
             </a:extLst>
           </p:cNvPr>
@@ -7608,7 +7608,7 @@
                 <a16:creationId xmlns:a16="http://schemas.microsoft.com/office/drawing/2014/main" id="{FD1C9DFA-A617-4257-95D3-CE862A146CBD}"/>
               </a:ext>
               <a:ext uri="{C183D7F6-B498-43B3-948B-1728B52AA6E4}">
-                <adec:decorative xmlns:adec="http://schemas.microsoft.com/office/drawing/2017/decorative" xmlns="" val="1"/>
+                <adec:decorative xmlns="" xmlns:adec="http://schemas.microsoft.com/office/drawing/2017/decorative" val="1"/>
               </a:ext>
             </a:extLst>
           </p:cNvPr>
@@ -7831,6 +7831,14 @@
   <p:clrMapOvr>
     <a:masterClrMapping/>
   </p:clrMapOvr>
+  <mc:AlternateContent xmlns:mc="http://schemas.openxmlformats.org/markup-compatibility/2006">
+    <mc:Choice xmlns:p14="http://schemas.microsoft.com/office/powerpoint/2010/main" Requires="p14">
+      <p:transition p14:dur="0"/>
+    </mc:Choice>
+    <mc:Fallback>
+      <p:transition/>
+    </mc:Fallback>
+  </mc:AlternateContent>
   <p:timing>
     <p:tnLst>
       <p:par>
@@ -7959,7 +7967,7 @@
                 <a16:creationId xmlns:a16="http://schemas.microsoft.com/office/drawing/2014/main" id="{685B57F6-59DE-4274-A37C-F47FE4E42EEF}"/>
               </a:ext>
               <a:ext uri="{C183D7F6-B498-43B3-948B-1728B52AA6E4}">
-                <adec:decorative xmlns:adec="http://schemas.microsoft.com/office/drawing/2017/decorative" xmlns="" val="1"/>
+                <adec:decorative xmlns="" xmlns:adec="http://schemas.microsoft.com/office/drawing/2017/decorative" val="1"/>
               </a:ext>
             </a:extLst>
           </p:cNvPr>
@@ -8301,14 +8309,7 @@
                 <a:ea typeface="+mn-lt"/>
                 <a:cs typeface="+mn-lt"/>
               </a:rPr>
-              <a:t>:</a:t>
-            </a:r>
-            <a:r>
-              <a:rPr lang="ru-RU" sz="1700" dirty="0" smtClean="0">
-                <a:ea typeface="+mn-lt"/>
-                <a:cs typeface="+mn-lt"/>
-              </a:rPr>
-              <a:t> </a:t>
+              <a:t>: </a:t>
             </a:r>
             <a:r>
               <a:rPr lang="ru-RU" sz="1700" dirty="0">
@@ -8341,14 +8342,7 @@
                 <a:ea typeface="+mn-lt"/>
                 <a:cs typeface="+mn-lt"/>
               </a:rPr>
-              <a:t>	</a:t>
-            </a:r>
-            <a:r>
-              <a:rPr lang="ru-RU" sz="1700" dirty="0" smtClean="0">
-                <a:ea typeface="+mn-lt"/>
-                <a:cs typeface="+mn-lt"/>
-              </a:rPr>
-              <a:t>Документация: Тимур </a:t>
+              <a:t>	Документация: Тимур </a:t>
             </a:r>
             <a:r>
               <a:rPr lang="ru-RU" sz="1700" dirty="0" err="1" smtClean="0">
@@ -8398,14 +8392,7 @@
                 <a:ea typeface="+mn-lt"/>
                 <a:cs typeface="+mn-lt"/>
               </a:rPr>
-              <a:t> </a:t>
-            </a:r>
-            <a:r>
-              <a:rPr lang="ru-RU" sz="1700" dirty="0" smtClean="0">
-                <a:ea typeface="+mn-lt"/>
-                <a:cs typeface="+mn-lt"/>
-              </a:rPr>
-              <a:t>Амирханов</a:t>
+              <a:t> Амирханов</a:t>
             </a:r>
             <a:endParaRPr lang="ru-RU" sz="1700" dirty="0">
               <a:ea typeface="+mn-lt"/>
@@ -8472,7 +8459,7 @@
                 <a16:creationId xmlns:a16="http://schemas.microsoft.com/office/drawing/2014/main" id="{2AD042BA-B482-486E-9E0C-75374069BBBD}"/>
               </a:ext>
               <a:ext uri="{C183D7F6-B498-43B3-948B-1728B52AA6E4}">
-                <adec:decorative xmlns:adec="http://schemas.microsoft.com/office/drawing/2017/decorative" xmlns="" val="1"/>
+                <adec:decorative xmlns="" xmlns:adec="http://schemas.microsoft.com/office/drawing/2017/decorative" val="1"/>
               </a:ext>
             </a:extLst>
           </p:cNvPr>
@@ -8526,6 +8513,16 @@
   <p:clrMapOvr>
     <a:masterClrMapping/>
   </p:clrMapOvr>
+  <p:transition spd="slow">
+    <p:wipe/>
+  </p:transition>
+  <p:timing>
+    <p:tnLst>
+      <p:par>
+        <p:cTn id="1" dur="indefinite" restart="never" nodeType="tmRoot"/>
+      </p:par>
+    </p:tnLst>
+  </p:timing>
 </p:sld>
 </file>
 
@@ -8562,7 +8559,7 @@
                 <a16:creationId xmlns:a16="http://schemas.microsoft.com/office/drawing/2014/main" id="{20CC10FC-6518-423B-A972-3E4F7A4A82F0}"/>
               </a:ext>
               <a:ext uri="{C183D7F6-B498-43B3-948B-1728B52AA6E4}">
-                <adec:decorative xmlns:adec="http://schemas.microsoft.com/office/drawing/2017/decorative" xmlns="" val="1"/>
+                <adec:decorative xmlns="" xmlns:adec="http://schemas.microsoft.com/office/drawing/2017/decorative" val="1"/>
               </a:ext>
             </a:extLst>
           </p:cNvPr>
@@ -8638,7 +8635,7 @@
                 <a16:creationId xmlns:a16="http://schemas.microsoft.com/office/drawing/2014/main" id="{95D2D844-708E-4EAC-BF72-D7CE20B99B31}"/>
               </a:ext>
               <a:ext uri="{C183D7F6-B498-43B3-948B-1728B52AA6E4}">
-                <adec:decorative xmlns:adec="http://schemas.microsoft.com/office/drawing/2017/decorative" xmlns="" val="1"/>
+                <adec:decorative xmlns="" xmlns:adec="http://schemas.microsoft.com/office/drawing/2017/decorative" val="1"/>
               </a:ext>
             </a:extLst>
           </p:cNvPr>
@@ -9099,7 +9096,7 @@
                 <a16:creationId xmlns:a16="http://schemas.microsoft.com/office/drawing/2014/main" id="{BFB227E1-F100-4CF9-9797-1E2001BBE2AD}"/>
               </a:ext>
               <a:ext uri="{C183D7F6-B498-43B3-948B-1728B52AA6E4}">
-                <adec:decorative xmlns:adec="http://schemas.microsoft.com/office/drawing/2017/decorative" xmlns="" val="1"/>
+                <adec:decorative xmlns="" xmlns:adec="http://schemas.microsoft.com/office/drawing/2017/decorative" val="1"/>
               </a:ext>
             </a:extLst>
           </p:cNvPr>
@@ -9438,7 +9435,7 @@
                 <a16:creationId xmlns:a16="http://schemas.microsoft.com/office/drawing/2014/main" id="{A06758A3-C4A6-479A-8755-3BEC63142944}"/>
               </a:ext>
               <a:ext uri="{C183D7F6-B498-43B3-948B-1728B52AA6E4}">
-                <adec:decorative xmlns:adec="http://schemas.microsoft.com/office/drawing/2017/decorative" xmlns="" val="1"/>
+                <adec:decorative xmlns="" xmlns:adec="http://schemas.microsoft.com/office/drawing/2017/decorative" val="1"/>
               </a:ext>
             </a:extLst>
           </p:cNvPr>
@@ -9492,6 +9489,16 @@
   <p:clrMapOvr>
     <a:masterClrMapping/>
   </p:clrMapOvr>
+  <p:transition spd="slow">
+    <p:wipe/>
+  </p:transition>
+  <p:timing>
+    <p:tnLst>
+      <p:par>
+        <p:cTn id="1" dur="indefinite" restart="never" nodeType="tmRoot"/>
+      </p:par>
+    </p:tnLst>
+  </p:timing>
 </p:sld>
 </file>
 
@@ -9528,7 +9535,7 @@
                 <a16:creationId xmlns:a16="http://schemas.microsoft.com/office/drawing/2014/main" id="{685B57F6-59DE-4274-A37C-F47FE4E42EEF}"/>
               </a:ext>
               <a:ext uri="{C183D7F6-B498-43B3-948B-1728B52AA6E4}">
-                <adec:decorative xmlns:adec="http://schemas.microsoft.com/office/drawing/2017/decorative" xmlns="" val="1"/>
+                <adec:decorative xmlns="" xmlns:adec="http://schemas.microsoft.com/office/drawing/2017/decorative" val="1"/>
               </a:ext>
             </a:extLst>
           </p:cNvPr>
@@ -9670,7 +9677,7 @@
                 <a16:creationId xmlns:a16="http://schemas.microsoft.com/office/drawing/2014/main" id="{C8C63406-9171-4282-BAAB-2DDC6831F0E6}"/>
               </a:ext>
               <a:ext uri="{C183D7F6-B498-43B3-948B-1728B52AA6E4}">
-                <adec:decorative xmlns:adec="http://schemas.microsoft.com/office/drawing/2017/decorative" xmlns="" val="1"/>
+                <adec:decorative xmlns="" xmlns:adec="http://schemas.microsoft.com/office/drawing/2017/decorative" val="1"/>
               </a:ext>
             </a:extLst>
           </p:cNvPr>
@@ -9850,6 +9857,16 @@
   <p:clrMapOvr>
     <a:masterClrMapping/>
   </p:clrMapOvr>
+  <p:transition spd="slow">
+    <p:wipe/>
+  </p:transition>
+  <p:timing>
+    <p:tnLst>
+      <p:par>
+        <p:cTn id="1" dur="indefinite" restart="never" nodeType="tmRoot"/>
+      </p:par>
+    </p:tnLst>
+  </p:timing>
 </p:sld>
 </file>
 
@@ -9886,7 +9903,7 @@
                 <a16:creationId xmlns:a16="http://schemas.microsoft.com/office/drawing/2014/main" id="{5CD60141-EEBD-4EC1-8E34-0344C16A18A2}"/>
               </a:ext>
               <a:ext uri="{C183D7F6-B498-43B3-948B-1728B52AA6E4}">
-                <adec:decorative xmlns:adec="http://schemas.microsoft.com/office/drawing/2017/decorative" xmlns="" val="1"/>
+                <adec:decorative xmlns="" xmlns:adec="http://schemas.microsoft.com/office/drawing/2017/decorative" val="1"/>
               </a:ext>
             </a:extLst>
           </p:cNvPr>
@@ -9986,7 +10003,7 @@
                 <a16:creationId xmlns:a16="http://schemas.microsoft.com/office/drawing/2014/main" id="{4C75A547-BCD1-42BE-966E-53CA0AB93165}"/>
               </a:ext>
               <a:ext uri="{C183D7F6-B498-43B3-948B-1728B52AA6E4}">
-                <adec:decorative xmlns:adec="http://schemas.microsoft.com/office/drawing/2017/decorative" xmlns="" val="1"/>
+                <adec:decorative xmlns="" xmlns:adec="http://schemas.microsoft.com/office/drawing/2017/decorative" val="1"/>
               </a:ext>
             </a:extLst>
           </p:cNvPr>
@@ -10038,7 +10055,7 @@
                 <a16:creationId xmlns:a16="http://schemas.microsoft.com/office/drawing/2014/main" id="{00C04237-153A-4A4F-A7E9-6926B66F849B}"/>
               </a:ext>
               <a:ext uri="{C183D7F6-B498-43B3-948B-1728B52AA6E4}">
-                <adec:decorative xmlns:adec="http://schemas.microsoft.com/office/drawing/2017/decorative" xmlns="" val="1"/>
+                <adec:decorative xmlns="" xmlns:adec="http://schemas.microsoft.com/office/drawing/2017/decorative" val="1"/>
               </a:ext>
             </a:extLst>
           </p:cNvPr>
@@ -10143,7 +10160,7 @@
                 <a16:creationId xmlns:a16="http://schemas.microsoft.com/office/drawing/2014/main" id="{D19975AA-D532-4570-9193-6482D3F22331}"/>
               </a:ext>
               <a:ext uri="{C183D7F6-B498-43B3-948B-1728B52AA6E4}">
-                <adec:decorative xmlns:adec="http://schemas.microsoft.com/office/drawing/2017/decorative" xmlns="" val="1"/>
+                <adec:decorative xmlns="" xmlns:adec="http://schemas.microsoft.com/office/drawing/2017/decorative" val="1"/>
               </a:ext>
             </a:extLst>
           </p:cNvPr>
@@ -10325,7 +10342,7 @@
                 <a16:creationId xmlns:a16="http://schemas.microsoft.com/office/drawing/2014/main" id="{D7CA8974-7BA7-4828-89E2-6DAD7353BC05}"/>
               </a:ext>
               <a:ext uri="{C183D7F6-B498-43B3-948B-1728B52AA6E4}">
-                <adec:decorative xmlns:adec="http://schemas.microsoft.com/office/drawing/2017/decorative" xmlns="" val="1"/>
+                <adec:decorative xmlns="" xmlns:adec="http://schemas.microsoft.com/office/drawing/2017/decorative" val="1"/>
               </a:ext>
             </a:extLst>
           </p:cNvPr>
@@ -10503,6 +10520,9 @@
   <p:clrMapOvr>
     <a:masterClrMapping/>
   </p:clrMapOvr>
+  <p:transition spd="slow">
+    <p:wipe/>
+  </p:transition>
   <p:timing>
     <p:tnLst>
       <p:par>
@@ -10805,6 +10825,16 @@
   <p:clrMapOvr>
     <a:masterClrMapping/>
   </p:clrMapOvr>
+  <p:transition spd="slow">
+    <p:wipe/>
+  </p:transition>
+  <p:timing>
+    <p:tnLst>
+      <p:par>
+        <p:cTn id="1" dur="indefinite" restart="never" nodeType="tmRoot"/>
+      </p:par>
+    </p:tnLst>
+  </p:timing>
 </p:sld>
 </file>
 
@@ -10993,7 +11023,7 @@
           <a:blip r:embed="rId4">
             <a:extLst>
               <a:ext uri="{96DAC541-7B7A-43D3-8B79-37D633B846F1}">
-                <asvg:svgBlip xmlns:asvg="http://schemas.microsoft.com/office/drawing/2016/SVG/main" xmlns="" r:embed="rId5"/>
+                <asvg:svgBlip xmlns="" xmlns:asvg="http://schemas.microsoft.com/office/drawing/2016/SVG/main" r:embed="rId5"/>
               </a:ext>
             </a:extLst>
           </a:blip>
@@ -11076,6 +11106,16 @@
   <p:clrMapOvr>
     <a:masterClrMapping/>
   </p:clrMapOvr>
+  <p:transition spd="slow">
+    <p:wipe/>
+  </p:transition>
+  <p:timing>
+    <p:tnLst>
+      <p:par>
+        <p:cTn id="1" dur="indefinite" restart="never" nodeType="tmRoot"/>
+      </p:par>
+    </p:tnLst>
+  </p:timing>
 </p:sld>
 </file>
 
@@ -11112,7 +11152,7 @@
                 <a16:creationId xmlns:a16="http://schemas.microsoft.com/office/drawing/2014/main" id="{3BEA1A24-9CA1-4513-A409-3AD90DB091F2}"/>
               </a:ext>
               <a:ext uri="{C183D7F6-B498-43B3-948B-1728B52AA6E4}">
-                <adec:decorative xmlns:adec="http://schemas.microsoft.com/office/drawing/2017/decorative" xmlns="" val="1"/>
+                <adec:decorative xmlns="" xmlns:adec="http://schemas.microsoft.com/office/drawing/2017/decorative" val="1"/>
               </a:ext>
             </a:extLst>
           </p:cNvPr>
@@ -11188,7 +11228,7 @@
                 <a16:creationId xmlns:a16="http://schemas.microsoft.com/office/drawing/2014/main" id="{D614C296-26CB-43B0-9404-D05FF687A65C}"/>
               </a:ext>
               <a:ext uri="{C183D7F6-B498-43B3-948B-1728B52AA6E4}">
-                <adec:decorative xmlns:adec="http://schemas.microsoft.com/office/drawing/2017/decorative" xmlns="" val="1"/>
+                <adec:decorative xmlns="" xmlns:adec="http://schemas.microsoft.com/office/drawing/2017/decorative" val="1"/>
               </a:ext>
             </a:extLst>
           </p:cNvPr>
@@ -11333,7 +11373,7 @@
                 <a16:creationId xmlns:a16="http://schemas.microsoft.com/office/drawing/2014/main" id="{76F4C24C-DC25-49C1-9509-3F5694D0DA61}"/>
               </a:ext>
               <a:ext uri="{C183D7F6-B498-43B3-948B-1728B52AA6E4}">
-                <adec:decorative xmlns:adec="http://schemas.microsoft.com/office/drawing/2017/decorative" xmlns="" val="1"/>
+                <adec:decorative xmlns="" xmlns:adec="http://schemas.microsoft.com/office/drawing/2017/decorative" val="1"/>
               </a:ext>
             </a:extLst>
           </p:cNvPr>
@@ -11576,7 +11616,7 @@
                 <a16:creationId xmlns:a16="http://schemas.microsoft.com/office/drawing/2014/main" id="{3C0930BD-361E-4C4D-8B08-ED210DFA2D0A}"/>
               </a:ext>
               <a:ext uri="{C183D7F6-B498-43B3-948B-1728B52AA6E4}">
-                <adec:decorative xmlns:adec="http://schemas.microsoft.com/office/drawing/2017/decorative" xmlns="" val="1"/>
+                <adec:decorative xmlns="" xmlns:adec="http://schemas.microsoft.com/office/drawing/2017/decorative" val="1"/>
               </a:ext>
             </a:extLst>
           </p:cNvPr>
@@ -11630,6 +11670,16 @@
   <p:clrMapOvr>
     <a:masterClrMapping/>
   </p:clrMapOvr>
+  <p:transition spd="slow">
+    <p:wipe/>
+  </p:transition>
+  <p:timing>
+    <p:tnLst>
+      <p:par>
+        <p:cTn id="1" dur="indefinite" restart="never" nodeType="tmRoot"/>
+      </p:par>
+    </p:tnLst>
+  </p:timing>
 </p:sld>
 </file>
 
@@ -11666,7 +11716,7 @@
                 <a16:creationId xmlns:a16="http://schemas.microsoft.com/office/drawing/2014/main" id="{685B57F6-59DE-4274-A37C-F47FE4E42EEF}"/>
               </a:ext>
               <a:ext uri="{C183D7F6-B498-43B3-948B-1728B52AA6E4}">
-                <adec:decorative xmlns:adec="http://schemas.microsoft.com/office/drawing/2017/decorative" xmlns="" val="1"/>
+                <adec:decorative xmlns="" xmlns:adec="http://schemas.microsoft.com/office/drawing/2017/decorative" val="1"/>
               </a:ext>
             </a:extLst>
           </p:cNvPr>
@@ -11913,7 +11963,7 @@
                 <a16:creationId xmlns:a16="http://schemas.microsoft.com/office/drawing/2014/main" id="{2AD042BA-B482-486E-9E0C-75374069BBBD}"/>
               </a:ext>
               <a:ext uri="{C183D7F6-B498-43B3-948B-1728B52AA6E4}">
-                <adec:decorative xmlns:adec="http://schemas.microsoft.com/office/drawing/2017/decorative" xmlns="" val="1"/>
+                <adec:decorative xmlns="" xmlns:adec="http://schemas.microsoft.com/office/drawing/2017/decorative" val="1"/>
               </a:ext>
             </a:extLst>
           </p:cNvPr>
@@ -11967,6 +12017,16 @@
   <p:clrMapOvr>
     <a:masterClrMapping/>
   </p:clrMapOvr>
+  <p:transition spd="slow">
+    <p:wipe/>
+  </p:transition>
+  <p:timing>
+    <p:tnLst>
+      <p:par>
+        <p:cTn id="1" dur="indefinite" restart="never" nodeType="tmRoot"/>
+      </p:par>
+    </p:tnLst>
+  </p:timing>
 </p:sld>
 </file>
 

--- a/Презентация.pptx
+++ b/Презентация.pptx
@@ -3521,7 +3521,7 @@
                 <a16:creationId xmlns:a16="http://schemas.microsoft.com/office/drawing/2014/main" id="{5CD60141-EEBD-4EC1-8E34-0344C16A18A2}"/>
               </a:ext>
               <a:ext uri="{C183D7F6-B498-43B3-948B-1728B52AA6E4}">
-                <adec:decorative xmlns="" xmlns:adec="http://schemas.microsoft.com/office/drawing/2017/decorative" val="1"/>
+                <adec:decorative xmlns:adec="http://schemas.microsoft.com/office/drawing/2017/decorative" xmlns="" val="1"/>
               </a:ext>
             </a:extLst>
           </p:cNvPr>
@@ -3844,7 +3844,7 @@
           <a:p>
             <a:fld id="{3CADBD16-5BFB-4D9F-9646-C75D1B53BBB6}" type="datetimeFigureOut">
               <a:rPr lang="en-US" smtClean="0"/>
-              <a:t>10/24/2023</a:t>
+              <a:t>10/25/2023</a:t>
             </a:fld>
             <a:endParaRPr lang="en-US"/>
           </a:p>
@@ -4085,7 +4085,7 @@
           <a:p>
             <a:fld id="{3CADBD16-5BFB-4D9F-9646-C75D1B53BBB6}" type="datetimeFigureOut">
               <a:rPr lang="en-US" smtClean="0"/>
-              <a:t>10/24/2023</a:t>
+              <a:t>10/25/2023</a:t>
             </a:fld>
             <a:endParaRPr lang="en-US"/>
           </a:p>
@@ -4293,7 +4293,7 @@
           <a:p>
             <a:fld id="{3CADBD16-5BFB-4D9F-9646-C75D1B53BBB6}" type="datetimeFigureOut">
               <a:rPr lang="en-US" smtClean="0"/>
-              <a:t>10/24/2023</a:t>
+              <a:t>10/25/2023</a:t>
             </a:fld>
             <a:endParaRPr lang="en-US"/>
           </a:p>
@@ -4491,7 +4491,7 @@
           <a:p>
             <a:fld id="{3CADBD16-5BFB-4D9F-9646-C75D1B53BBB6}" type="datetimeFigureOut">
               <a:rPr lang="en-US" smtClean="0"/>
-              <a:t>10/24/2023</a:t>
+              <a:t>10/25/2023</a:t>
             </a:fld>
             <a:endParaRPr lang="en-US"/>
           </a:p>
@@ -4768,7 +4768,7 @@
           <a:p>
             <a:fld id="{3CADBD16-5BFB-4D9F-9646-C75D1B53BBB6}" type="datetimeFigureOut">
               <a:rPr lang="en-US" smtClean="0"/>
-              <a:t>10/24/2023</a:t>
+              <a:t>10/25/2023</a:t>
             </a:fld>
             <a:endParaRPr lang="en-US"/>
           </a:p>
@@ -5033,7 +5033,7 @@
           <a:p>
             <a:fld id="{3CADBD16-5BFB-4D9F-9646-C75D1B53BBB6}" type="datetimeFigureOut">
               <a:rPr lang="en-US" smtClean="0"/>
-              <a:t>10/24/2023</a:t>
+              <a:t>10/25/2023</a:t>
             </a:fld>
             <a:endParaRPr lang="en-US"/>
           </a:p>
@@ -5449,7 +5449,7 @@
           <a:p>
             <a:fld id="{3CADBD16-5BFB-4D9F-9646-C75D1B53BBB6}" type="datetimeFigureOut">
               <a:rPr lang="en-US" smtClean="0"/>
-              <a:t>10/24/2023</a:t>
+              <a:t>10/25/2023</a:t>
             </a:fld>
             <a:endParaRPr lang="en-US"/>
           </a:p>
@@ -5599,7 +5599,7 @@
           <a:p>
             <a:fld id="{3CADBD16-5BFB-4D9F-9646-C75D1B53BBB6}" type="datetimeFigureOut">
               <a:rPr lang="en-US" smtClean="0"/>
-              <a:t>10/24/2023</a:t>
+              <a:t>10/25/2023</a:t>
             </a:fld>
             <a:endParaRPr lang="en-US"/>
           </a:p>
@@ -5712,7 +5712,7 @@
           <a:p>
             <a:fld id="{3CADBD16-5BFB-4D9F-9646-C75D1B53BBB6}" type="datetimeFigureOut">
               <a:rPr lang="en-US" smtClean="0"/>
-              <a:t>10/24/2023</a:t>
+              <a:t>10/25/2023</a:t>
             </a:fld>
             <a:endParaRPr lang="en-US"/>
           </a:p>
@@ -6028,7 +6028,7 @@
           <a:p>
             <a:fld id="{3CADBD16-5BFB-4D9F-9646-C75D1B53BBB6}" type="datetimeFigureOut">
               <a:rPr lang="en-US" smtClean="0"/>
-              <a:t>10/24/2023</a:t>
+              <a:t>10/25/2023</a:t>
             </a:fld>
             <a:endParaRPr lang="en-US"/>
           </a:p>
@@ -6279,7 +6279,7 @@
           <a:p>
             <a:fld id="{3CADBD16-5BFB-4D9F-9646-C75D1B53BBB6}" type="datetimeFigureOut">
               <a:rPr lang="en-US" smtClean="0"/>
-              <a:t>10/24/2023</a:t>
+              <a:t>10/25/2023</a:t>
             </a:fld>
             <a:endParaRPr lang="en-US"/>
           </a:p>
@@ -6788,7 +6788,7 @@
             <a:fld id="{3CADBD16-5BFB-4D9F-9646-C75D1B53BBB6}" type="datetimeFigureOut">
               <a:rPr lang="en-US" smtClean="0"/>
               <a:pPr/>
-              <a:t>10/24/2023</a:t>
+              <a:t>10/25/2023</a:t>
             </a:fld>
             <a:endParaRPr lang="en-US" dirty="0"/>
           </a:p>
@@ -7218,7 +7218,7 @@
                 <a16:creationId xmlns:a16="http://schemas.microsoft.com/office/drawing/2014/main" id="{C3B0A228-9EA3-4009-A82E-9402BBC726A0}"/>
               </a:ext>
               <a:ext uri="{C183D7F6-B498-43B3-948B-1728B52AA6E4}">
-                <adec:decorative xmlns="" xmlns:adec="http://schemas.microsoft.com/office/drawing/2017/decorative" val="1"/>
+                <adec:decorative xmlns:adec="http://schemas.microsoft.com/office/drawing/2017/decorative" xmlns="" val="1"/>
               </a:ext>
             </a:extLst>
           </p:cNvPr>
@@ -7294,7 +7294,7 @@
                 <a16:creationId xmlns:a16="http://schemas.microsoft.com/office/drawing/2014/main" id="{40D5ECB1-AC85-4830-AF8E-3E8C2A1ACEE9}"/>
               </a:ext>
               <a:ext uri="{C183D7F6-B498-43B3-948B-1728B52AA6E4}">
-                <adec:decorative xmlns="" xmlns:adec="http://schemas.microsoft.com/office/drawing/2017/decorative" val="1"/>
+                <adec:decorative xmlns:adec="http://schemas.microsoft.com/office/drawing/2017/decorative" xmlns="" val="1"/>
               </a:ext>
             </a:extLst>
           </p:cNvPr>
@@ -7608,7 +7608,7 @@
                 <a16:creationId xmlns:a16="http://schemas.microsoft.com/office/drawing/2014/main" id="{FD1C9DFA-A617-4257-95D3-CE862A146CBD}"/>
               </a:ext>
               <a:ext uri="{C183D7F6-B498-43B3-948B-1728B52AA6E4}">
-                <adec:decorative xmlns="" xmlns:adec="http://schemas.microsoft.com/office/drawing/2017/decorative" val="1"/>
+                <adec:decorative xmlns:adec="http://schemas.microsoft.com/office/drawing/2017/decorative" xmlns="" val="1"/>
               </a:ext>
             </a:extLst>
           </p:cNvPr>
@@ -7831,11 +7831,11 @@
   <p:clrMapOvr>
     <a:masterClrMapping/>
   </p:clrMapOvr>
-  <mc:AlternateContent xmlns:mc="http://schemas.openxmlformats.org/markup-compatibility/2006">
-    <mc:Choice xmlns:p14="http://schemas.microsoft.com/office/powerpoint/2010/main" Requires="p14">
+  <mc:AlternateContent xmlns:mc="http://schemas.openxmlformats.org/markup-compatibility/2006" xmlns:p14="http://schemas.microsoft.com/office/powerpoint/2010/main">
+    <mc:Choice Requires="p14">
       <p:transition p14:dur="0"/>
     </mc:Choice>
-    <mc:Fallback>
+    <mc:Fallback xmlns="">
       <p:transition/>
     </mc:Fallback>
   </mc:AlternateContent>
@@ -7967,7 +7967,7 @@
                 <a16:creationId xmlns:a16="http://schemas.microsoft.com/office/drawing/2014/main" id="{685B57F6-59DE-4274-A37C-F47FE4E42EEF}"/>
               </a:ext>
               <a:ext uri="{C183D7F6-B498-43B3-948B-1728B52AA6E4}">
-                <adec:decorative xmlns="" xmlns:adec="http://schemas.microsoft.com/office/drawing/2017/decorative" val="1"/>
+                <adec:decorative xmlns:adec="http://schemas.microsoft.com/office/drawing/2017/decorative" xmlns="" val="1"/>
               </a:ext>
             </a:extLst>
           </p:cNvPr>
@@ -8157,7 +8157,7 @@
         </p:spPr>
         <p:txBody>
           <a:bodyPr vert="horz" lIns="91440" tIns="45720" rIns="91440" bIns="45720" rtlCol="0">
-            <a:normAutofit fontScale="85000" lnSpcReduction="10000"/>
+            <a:normAutofit fontScale="85000" lnSpcReduction="20000"/>
           </a:bodyPr>
           <a:lstStyle/>
           <a:p>
@@ -8195,13 +8195,8 @@
             </a:r>
             <a:r>
               <a:rPr lang="ru-RU" sz="1700" dirty="0" smtClean="0"/>
-              <a:t>Марат, Амирханов </a:t>
-            </a:r>
-            <a:r>
-              <a:rPr lang="ru-RU" sz="1700" dirty="0" err="1" smtClean="0"/>
-              <a:t>Мухтар</a:t>
-            </a:r>
-            <a:endParaRPr lang="ru-RU" sz="1700" dirty="0" smtClean="0"/>
+              <a:t>Марат </a:t>
+            </a:r>
           </a:p>
           <a:p>
             <a:pPr>
@@ -8219,8 +8214,28 @@
             </a:r>
             <a:r>
               <a:rPr lang="ru-RU" sz="1700" dirty="0"/>
-              <a:t>: Малюгин Марат</a:t>
-            </a:r>
+              <a:t>: Малюгин </a:t>
+            </a:r>
+            <a:r>
+              <a:rPr lang="ru-RU" sz="1700" dirty="0" smtClean="0"/>
+              <a:t>Марат</a:t>
+            </a:r>
+          </a:p>
+          <a:p>
+            <a:pPr>
+              <a:lnSpc>
+                <a:spcPct val="110000"/>
+              </a:lnSpc>
+            </a:pPr>
+            <a:r>
+              <a:rPr lang="ru-RU" sz="1700" dirty="0" smtClean="0"/>
+              <a:t>Дизайн: Амирханов </a:t>
+            </a:r>
+            <a:r>
+              <a:rPr lang="ru-RU" sz="1700" dirty="0" err="1" smtClean="0"/>
+              <a:t>Мухтар</a:t>
+            </a:r>
+            <a:endParaRPr lang="ru-RU" sz="1700" dirty="0"/>
           </a:p>
           <a:p>
             <a:pPr>
@@ -8374,7 +8389,7 @@
               <a:t>	</a:t>
             </a:r>
             <a:r>
-              <a:rPr lang="ru-RU" sz="1700" smtClean="0">
+              <a:rPr lang="ru-RU" sz="1700" dirty="0" smtClean="0">
                 <a:ea typeface="+mn-lt"/>
                 <a:cs typeface="+mn-lt"/>
               </a:rPr>
@@ -8459,7 +8474,7 @@
                 <a16:creationId xmlns:a16="http://schemas.microsoft.com/office/drawing/2014/main" id="{2AD042BA-B482-486E-9E0C-75374069BBBD}"/>
               </a:ext>
               <a:ext uri="{C183D7F6-B498-43B3-948B-1728B52AA6E4}">
-                <adec:decorative xmlns="" xmlns:adec="http://schemas.microsoft.com/office/drawing/2017/decorative" val="1"/>
+                <adec:decorative xmlns:adec="http://schemas.microsoft.com/office/drawing/2017/decorative" xmlns="" val="1"/>
               </a:ext>
             </a:extLst>
           </p:cNvPr>
@@ -8559,7 +8574,7 @@
                 <a16:creationId xmlns:a16="http://schemas.microsoft.com/office/drawing/2014/main" id="{20CC10FC-6518-423B-A972-3E4F7A4A82F0}"/>
               </a:ext>
               <a:ext uri="{C183D7F6-B498-43B3-948B-1728B52AA6E4}">
-                <adec:decorative xmlns="" xmlns:adec="http://schemas.microsoft.com/office/drawing/2017/decorative" val="1"/>
+                <adec:decorative xmlns:adec="http://schemas.microsoft.com/office/drawing/2017/decorative" xmlns="" val="1"/>
               </a:ext>
             </a:extLst>
           </p:cNvPr>
@@ -8635,7 +8650,7 @@
                 <a16:creationId xmlns:a16="http://schemas.microsoft.com/office/drawing/2014/main" id="{95D2D844-708E-4EAC-BF72-D7CE20B99B31}"/>
               </a:ext>
               <a:ext uri="{C183D7F6-B498-43B3-948B-1728B52AA6E4}">
-                <adec:decorative xmlns="" xmlns:adec="http://schemas.microsoft.com/office/drawing/2017/decorative" val="1"/>
+                <adec:decorative xmlns:adec="http://schemas.microsoft.com/office/drawing/2017/decorative" xmlns="" val="1"/>
               </a:ext>
             </a:extLst>
           </p:cNvPr>
@@ -9096,7 +9111,7 @@
                 <a16:creationId xmlns:a16="http://schemas.microsoft.com/office/drawing/2014/main" id="{BFB227E1-F100-4CF9-9797-1E2001BBE2AD}"/>
               </a:ext>
               <a:ext uri="{C183D7F6-B498-43B3-948B-1728B52AA6E4}">
-                <adec:decorative xmlns="" xmlns:adec="http://schemas.microsoft.com/office/drawing/2017/decorative" val="1"/>
+                <adec:decorative xmlns:adec="http://schemas.microsoft.com/office/drawing/2017/decorative" xmlns="" val="1"/>
               </a:ext>
             </a:extLst>
           </p:cNvPr>
@@ -9435,7 +9450,7 @@
                 <a16:creationId xmlns:a16="http://schemas.microsoft.com/office/drawing/2014/main" id="{A06758A3-C4A6-479A-8755-3BEC63142944}"/>
               </a:ext>
               <a:ext uri="{C183D7F6-B498-43B3-948B-1728B52AA6E4}">
-                <adec:decorative xmlns="" xmlns:adec="http://schemas.microsoft.com/office/drawing/2017/decorative" val="1"/>
+                <adec:decorative xmlns:adec="http://schemas.microsoft.com/office/drawing/2017/decorative" xmlns="" val="1"/>
               </a:ext>
             </a:extLst>
           </p:cNvPr>
@@ -9535,7 +9550,7 @@
                 <a16:creationId xmlns:a16="http://schemas.microsoft.com/office/drawing/2014/main" id="{685B57F6-59DE-4274-A37C-F47FE4E42EEF}"/>
               </a:ext>
               <a:ext uri="{C183D7F6-B498-43B3-948B-1728B52AA6E4}">
-                <adec:decorative xmlns="" xmlns:adec="http://schemas.microsoft.com/office/drawing/2017/decorative" val="1"/>
+                <adec:decorative xmlns:adec="http://schemas.microsoft.com/office/drawing/2017/decorative" xmlns="" val="1"/>
               </a:ext>
             </a:extLst>
           </p:cNvPr>
@@ -9677,7 +9692,7 @@
                 <a16:creationId xmlns:a16="http://schemas.microsoft.com/office/drawing/2014/main" id="{C8C63406-9171-4282-BAAB-2DDC6831F0E6}"/>
               </a:ext>
               <a:ext uri="{C183D7F6-B498-43B3-948B-1728B52AA6E4}">
-                <adec:decorative xmlns="" xmlns:adec="http://schemas.microsoft.com/office/drawing/2017/decorative" val="1"/>
+                <adec:decorative xmlns:adec="http://schemas.microsoft.com/office/drawing/2017/decorative" xmlns="" val="1"/>
               </a:ext>
             </a:extLst>
           </p:cNvPr>
@@ -9903,7 +9918,7 @@
                 <a16:creationId xmlns:a16="http://schemas.microsoft.com/office/drawing/2014/main" id="{5CD60141-EEBD-4EC1-8E34-0344C16A18A2}"/>
               </a:ext>
               <a:ext uri="{C183D7F6-B498-43B3-948B-1728B52AA6E4}">
-                <adec:decorative xmlns="" xmlns:adec="http://schemas.microsoft.com/office/drawing/2017/decorative" val="1"/>
+                <adec:decorative xmlns:adec="http://schemas.microsoft.com/office/drawing/2017/decorative" xmlns="" val="1"/>
               </a:ext>
             </a:extLst>
           </p:cNvPr>
@@ -10003,7 +10018,7 @@
                 <a16:creationId xmlns:a16="http://schemas.microsoft.com/office/drawing/2014/main" id="{4C75A547-BCD1-42BE-966E-53CA0AB93165}"/>
               </a:ext>
               <a:ext uri="{C183D7F6-B498-43B3-948B-1728B52AA6E4}">
-                <adec:decorative xmlns="" xmlns:adec="http://schemas.microsoft.com/office/drawing/2017/decorative" val="1"/>
+                <adec:decorative xmlns:adec="http://schemas.microsoft.com/office/drawing/2017/decorative" xmlns="" val="1"/>
               </a:ext>
             </a:extLst>
           </p:cNvPr>
@@ -10055,7 +10070,7 @@
                 <a16:creationId xmlns:a16="http://schemas.microsoft.com/office/drawing/2014/main" id="{00C04237-153A-4A4F-A7E9-6926B66F849B}"/>
               </a:ext>
               <a:ext uri="{C183D7F6-B498-43B3-948B-1728B52AA6E4}">
-                <adec:decorative xmlns="" xmlns:adec="http://schemas.microsoft.com/office/drawing/2017/decorative" val="1"/>
+                <adec:decorative xmlns:adec="http://schemas.microsoft.com/office/drawing/2017/decorative" xmlns="" val="1"/>
               </a:ext>
             </a:extLst>
           </p:cNvPr>
@@ -10160,7 +10175,7 @@
                 <a16:creationId xmlns:a16="http://schemas.microsoft.com/office/drawing/2014/main" id="{D19975AA-D532-4570-9193-6482D3F22331}"/>
               </a:ext>
               <a:ext uri="{C183D7F6-B498-43B3-948B-1728B52AA6E4}">
-                <adec:decorative xmlns="" xmlns:adec="http://schemas.microsoft.com/office/drawing/2017/decorative" val="1"/>
+                <adec:decorative xmlns:adec="http://schemas.microsoft.com/office/drawing/2017/decorative" xmlns="" val="1"/>
               </a:ext>
             </a:extLst>
           </p:cNvPr>
@@ -10342,7 +10357,7 @@
                 <a16:creationId xmlns:a16="http://schemas.microsoft.com/office/drawing/2014/main" id="{D7CA8974-7BA7-4828-89E2-6DAD7353BC05}"/>
               </a:ext>
               <a:ext uri="{C183D7F6-B498-43B3-948B-1728B52AA6E4}">
-                <adec:decorative xmlns="" xmlns:adec="http://schemas.microsoft.com/office/drawing/2017/decorative" val="1"/>
+                <adec:decorative xmlns:adec="http://schemas.microsoft.com/office/drawing/2017/decorative" xmlns="" val="1"/>
               </a:ext>
             </a:extLst>
           </p:cNvPr>
@@ -11023,7 +11038,7 @@
           <a:blip r:embed="rId4">
             <a:extLst>
               <a:ext uri="{96DAC541-7B7A-43D3-8B79-37D633B846F1}">
-                <asvg:svgBlip xmlns="" xmlns:asvg="http://schemas.microsoft.com/office/drawing/2016/SVG/main" r:embed="rId5"/>
+                <asvg:svgBlip xmlns:asvg="http://schemas.microsoft.com/office/drawing/2016/SVG/main" xmlns="" r:embed="rId5"/>
               </a:ext>
             </a:extLst>
           </a:blip>
@@ -11152,7 +11167,7 @@
                 <a16:creationId xmlns:a16="http://schemas.microsoft.com/office/drawing/2014/main" id="{3BEA1A24-9CA1-4513-A409-3AD90DB091F2}"/>
               </a:ext>
               <a:ext uri="{C183D7F6-B498-43B3-948B-1728B52AA6E4}">
-                <adec:decorative xmlns="" xmlns:adec="http://schemas.microsoft.com/office/drawing/2017/decorative" val="1"/>
+                <adec:decorative xmlns:adec="http://schemas.microsoft.com/office/drawing/2017/decorative" xmlns="" val="1"/>
               </a:ext>
             </a:extLst>
           </p:cNvPr>
@@ -11228,7 +11243,7 @@
                 <a16:creationId xmlns:a16="http://schemas.microsoft.com/office/drawing/2014/main" id="{D614C296-26CB-43B0-9404-D05FF687A65C}"/>
               </a:ext>
               <a:ext uri="{C183D7F6-B498-43B3-948B-1728B52AA6E4}">
-                <adec:decorative xmlns="" xmlns:adec="http://schemas.microsoft.com/office/drawing/2017/decorative" val="1"/>
+                <adec:decorative xmlns:adec="http://schemas.microsoft.com/office/drawing/2017/decorative" xmlns="" val="1"/>
               </a:ext>
             </a:extLst>
           </p:cNvPr>
@@ -11373,7 +11388,7 @@
                 <a16:creationId xmlns:a16="http://schemas.microsoft.com/office/drawing/2014/main" id="{76F4C24C-DC25-49C1-9509-3F5694D0DA61}"/>
               </a:ext>
               <a:ext uri="{C183D7F6-B498-43B3-948B-1728B52AA6E4}">
-                <adec:decorative xmlns="" xmlns:adec="http://schemas.microsoft.com/office/drawing/2017/decorative" val="1"/>
+                <adec:decorative xmlns:adec="http://schemas.microsoft.com/office/drawing/2017/decorative" xmlns="" val="1"/>
               </a:ext>
             </a:extLst>
           </p:cNvPr>
@@ -11616,7 +11631,7 @@
                 <a16:creationId xmlns:a16="http://schemas.microsoft.com/office/drawing/2014/main" id="{3C0930BD-361E-4C4D-8B08-ED210DFA2D0A}"/>
               </a:ext>
               <a:ext uri="{C183D7F6-B498-43B3-948B-1728B52AA6E4}">
-                <adec:decorative xmlns="" xmlns:adec="http://schemas.microsoft.com/office/drawing/2017/decorative" val="1"/>
+                <adec:decorative xmlns:adec="http://schemas.microsoft.com/office/drawing/2017/decorative" xmlns="" val="1"/>
               </a:ext>
             </a:extLst>
           </p:cNvPr>
@@ -11716,7 +11731,7 @@
                 <a16:creationId xmlns:a16="http://schemas.microsoft.com/office/drawing/2014/main" id="{685B57F6-59DE-4274-A37C-F47FE4E42EEF}"/>
               </a:ext>
               <a:ext uri="{C183D7F6-B498-43B3-948B-1728B52AA6E4}">
-                <adec:decorative xmlns="" xmlns:adec="http://schemas.microsoft.com/office/drawing/2017/decorative" val="1"/>
+                <adec:decorative xmlns:adec="http://schemas.microsoft.com/office/drawing/2017/decorative" xmlns="" val="1"/>
               </a:ext>
             </a:extLst>
           </p:cNvPr>
@@ -11963,7 +11978,7 @@
                 <a16:creationId xmlns:a16="http://schemas.microsoft.com/office/drawing/2014/main" id="{2AD042BA-B482-486E-9E0C-75374069BBBD}"/>
               </a:ext>
               <a:ext uri="{C183D7F6-B498-43B3-948B-1728B52AA6E4}">
-                <adec:decorative xmlns="" xmlns:adec="http://schemas.microsoft.com/office/drawing/2017/decorative" val="1"/>
+                <adec:decorative xmlns:adec="http://schemas.microsoft.com/office/drawing/2017/decorative" xmlns="" val="1"/>
               </a:ext>
             </a:extLst>
           </p:cNvPr>
